--- a/DeckUpdate/SamplePPT  -  Repaired.pptx
+++ b/DeckUpdate/SamplePPT  -  Repaired.pptx
@@ -13,6 +13,7 @@
     <p:sldId id="261" r:id="rId7"/>
     <p:sldId id="262" r:id="rId8"/>
     <p:sldId id="263" r:id="rId9"/>
+    <p:sldId id="264" r:id="rId10"/>
   </p:sldIdLst>
   <p:sldSz cx="9144000" cy="6858000" type="screen4x3"/>
   <p:notesSz cx="6858000" cy="9144000"/>
@@ -362,7 +363,7 @@
           <a:p>
             <a:fld id="{10302D39-B686-2742-A69B-CE6D46FC9A4E}" type="datetime4">
               <a:rPr lang="en-US" smtClean="0"/>
-              <a:t>December 27, 2020</a:t>
+              <a:t>January 2, 2021</a:t>
             </a:fld>
             <a:endParaRPr lang="en-US" dirty="0"/>
           </a:p>
@@ -683,7 +684,7 @@
           <a:p>
             <a:fld id="{585AD263-A788-3145-8D38-AEBC1D444AEE}" type="datetime4">
               <a:rPr lang="en-US" smtClean="0"/>
-              <a:t>December 27, 2020</a:t>
+              <a:t>January 2, 2021</a:t>
             </a:fld>
             <a:endParaRPr lang="en-US" dirty="0"/>
           </a:p>
@@ -973,7 +974,7 @@
           <a:p>
             <a:fld id="{B606C5D1-9323-1B45-8355-7D55EA8EE66A}" type="datetime4">
               <a:rPr lang="en-US" smtClean="0"/>
-              <a:t>December 27, 2020</a:t>
+              <a:t>January 2, 2021</a:t>
             </a:fld>
             <a:endParaRPr lang="en-US" dirty="0"/>
           </a:p>
@@ -1221,7 +1222,7 @@
           <a:p>
             <a:fld id="{A4108F21-3CFE-3045-9ABB-E1E1413BA1A1}" type="datetime4">
               <a:rPr lang="en-US" smtClean="0"/>
-              <a:t>December 27, 2020</a:t>
+              <a:t>January 2, 2021</a:t>
             </a:fld>
             <a:endParaRPr lang="en-US" dirty="0"/>
           </a:p>
@@ -1669,7 +1670,7 @@
           <a:p>
             <a:fld id="{5EF76A7A-0506-6C4D-8382-BFC753915B9A}" type="datetime4">
               <a:rPr lang="en-US" smtClean="0"/>
-              <a:t>December 27, 2020</a:t>
+              <a:t>January 2, 2021</a:t>
             </a:fld>
             <a:endParaRPr lang="en-US" dirty="0"/>
           </a:p>
@@ -2457,7 +2458,7 @@
               <a:buNone/>
             </a:pPr>
             <a:r>
-              <a:t>A History of Investment Returns (2001-2019) w/ R (linePlot())</a:t>
+              <a:t>A History of Investment Returns (2001-2020) w/ R (linePlot())</a:t>
             </a:r>
           </a:p>
         </p:txBody>
@@ -2631,7 +2632,16 @@
               <a:buNone/>
             </a:pPr>
             <a:r>
-              <a:t>Asset Allocation w/ R (custom)</a:t>
+              <a:rPr dirty="0"/>
+              <a:t>Asset Allocation (2001-2019</a:t>
+            </a:r>
+            <a:r>
+              <a:rPr lang="en-US" dirty="0"/>
+              <a:t>)</a:t>
+            </a:r>
+            <a:r>
+              <a:rPr dirty="0"/>
+              <a:t> w/ R (custom)</a:t>
             </a:r>
           </a:p>
         </p:txBody>
@@ -2718,6 +2728,93 @@
               <a:buNone/>
             </a:pPr>
             <a:r>
+              <a:t>Change in Risk-Free Rate vs. Discount Rate (2001-2019) w/ R (linePlot())</a:t>
+            </a:r>
+          </a:p>
+        </p:txBody>
+      </p:sp>
+      <p:pic>
+        <p:nvPicPr>
+          <p:cNvPr id="3" name="Picture 1" descr="SamplePPT_files/figure-pptx/treasury-1.png"/>
+          <p:cNvPicPr>
+            <a:picLocks noGrp="1" noChangeAspect="1"/>
+          </p:cNvPicPr>
+          <p:nvPr/>
+        </p:nvPicPr>
+        <p:blipFill>
+          <a:blip r:embed="rId2"/>
+          <a:stretch>
+            <a:fillRect/>
+          </a:stretch>
+        </p:blipFill>
+        <p:spPr bwMode="auto">
+          <a:xfrm>
+            <a:off x="673100" y="1600200"/>
+            <a:ext cx="7797800" cy="4876800"/>
+          </a:xfrm>
+          <a:prstGeom prst="rect">
+            <a:avLst/>
+          </a:prstGeom>
+          <a:noFill/>
+          <a:ln w="9525">
+            <a:noFill/>
+            <a:headEnd/>
+            <a:tailEnd/>
+          </a:ln>
+        </p:spPr>
+      </p:pic>
+    </p:spTree>
+  </p:cSld>
+  <p:clrMapOvr>
+    <a:masterClrMapping/>
+  </p:clrMapOvr>
+</p:sld>
+</file>
+
+<file path=ppt/slides/slide8.xml><?xml version="1.0" encoding="utf-8"?>
+<p:sld xmlns:a="http://schemas.openxmlformats.org/drawingml/2006/main" xmlns:r="http://schemas.openxmlformats.org/officeDocument/2006/relationships" xmlns:p="http://schemas.openxmlformats.org/presentationml/2006/main">
+  <p:cSld>
+    <p:spTree>
+      <p:nvGrpSpPr>
+        <p:cNvPr id="1" name=""/>
+        <p:cNvGrpSpPr/>
+        <p:nvPr/>
+      </p:nvGrpSpPr>
+      <p:grpSpPr>
+        <a:xfrm>
+          <a:off x="0" y="0"/>
+          <a:ext cx="0" cy="0"/>
+          <a:chOff x="0" y="0"/>
+          <a:chExt cx="0" cy="0"/>
+        </a:xfrm>
+      </p:grpSpPr>
+      <p:sp>
+        <p:nvSpPr>
+          <p:cNvPr id="2" name="Title 1"/>
+          <p:cNvSpPr>
+            <a:spLocks noGrp="1"/>
+          </p:cNvSpPr>
+          <p:nvPr>
+            <p:ph type="title" hasCustomPrompt="1"/>
+          </p:nvPr>
+        </p:nvSpPr>
+        <p:spPr>
+          <a:xfrm>
+            <a:off x="457200" y="533400"/>
+            <a:ext cx="7864475" cy="990600"/>
+          </a:xfrm>
+          <a:prstGeom prst="rect">
+            <a:avLst/>
+          </a:prstGeom>
+        </p:spPr>
+        <p:txBody>
+          <a:bodyPr/>
+          <a:lstStyle/>
+          <a:p>
+            <a:pPr marL="0" lvl="0" indent="0">
+              <a:buNone/>
+            </a:pPr>
+            <a:r>
               <a:t>Negative Amortization Growth w/ R (custom)</a:t>
             </a:r>
           </a:p>
@@ -2761,7 +2858,7 @@
 </p:sld>
 </file>
 
-<file path=ppt/slides/slide8.xml><?xml version="1.0" encoding="utf-8"?>
+<file path=ppt/slides/slide9.xml><?xml version="1.0" encoding="utf-8"?>
 <p:sld xmlns:a="http://schemas.openxmlformats.org/drawingml/2006/main" xmlns:r="http://schemas.openxmlformats.org/officeDocument/2006/relationships" xmlns:p="http://schemas.openxmlformats.org/presentationml/2006/main">
   <p:cSld>
     <p:spTree>
